--- a/2024/2024-10-11-AI-Updates.pptx
+++ b/2024/2024-10-11-AI-Updates.pptx
@@ -17138,7 +17138,7 @@
                 <a:sym typeface="Calibri"/>
                 <a:hlinkClick r:id="rId13"/>
               </a:rPr>
-              <a:t>https://arxiv.org/abs/2212.11279</a:t>
+              <a:t>https://people.idsia.ch/~juergen/deep-learning-history.html</a:t>
             </a:r>
             <a:r>
               <a:rPr lang="en" sz="1300">
